--- a/courses/apcsp/lect11a.pptx
+++ b/courses/apcsp/lect11a.pptx
@@ -149,7 +149,7 @@
 <file path=ppt/revisionInfo.xml><?xml version="1.0" encoding="utf-8"?>
 <p1510:revInfo xmlns:a="http://schemas.openxmlformats.org/drawingml/2006/main" xmlns:r="http://schemas.openxmlformats.org/officeDocument/2006/relationships" xmlns:p1510="http://schemas.microsoft.com/office/powerpoint/2015/10/main">
   <p1510:revLst>
-    <p1510:client id="{0CA2DF25-63F7-764C-A9B1-5CAE69E0622F}" v="414" dt="2021-03-11T14:02:51.555"/>
+    <p1510:client id="{0CA2DF25-63F7-764C-A9B1-5CAE69E0622F}" v="583" dt="2021-03-11T14:46:49.597"/>
   </p1510:revLst>
 </p1510:revInfo>
 </file>
@@ -1342,7 +1342,7 @@
   <pc:docChgLst>
     <pc:chgData name="Long B Nguyen" userId="f59fb8f3-a021-417a-8bc1-65c8d471c621" providerId="ADAL" clId="{0CA2DF25-63F7-764C-A9B1-5CAE69E0622F}"/>
     <pc:docChg chg="undo custSel addSld delSld modSld">
-      <pc:chgData name="Long B Nguyen" userId="f59fb8f3-a021-417a-8bc1-65c8d471c621" providerId="ADAL" clId="{0CA2DF25-63F7-764C-A9B1-5CAE69E0622F}" dt="2021-03-11T14:04:17.913" v="1281" actId="14100"/>
+      <pc:chgData name="Long B Nguyen" userId="f59fb8f3-a021-417a-8bc1-65c8d471c621" providerId="ADAL" clId="{0CA2DF25-63F7-764C-A9B1-5CAE69E0622F}" dt="2021-03-11T14:46:49.597" v="1455" actId="20577"/>
       <pc:docMkLst>
         <pc:docMk/>
       </pc:docMkLst>
@@ -1576,7 +1576,7 @@
         </pc:spChg>
       </pc:sldChg>
       <pc:sldChg chg="addSp modSp add mod modAnim">
-        <pc:chgData name="Long B Nguyen" userId="f59fb8f3-a021-417a-8bc1-65c8d471c621" providerId="ADAL" clId="{0CA2DF25-63F7-764C-A9B1-5CAE69E0622F}" dt="2021-03-11T14:01:45.803" v="1263" actId="20577"/>
+        <pc:chgData name="Long B Nguyen" userId="f59fb8f3-a021-417a-8bc1-65c8d471c621" providerId="ADAL" clId="{0CA2DF25-63F7-764C-A9B1-5CAE69E0622F}" dt="2021-03-11T14:46:49.597" v="1455" actId="20577"/>
         <pc:sldMkLst>
           <pc:docMk/>
           <pc:sldMk cId="290283863" sldId="556"/>
@@ -1598,7 +1598,7 @@
           </ac:spMkLst>
         </pc:spChg>
         <pc:spChg chg="mod">
-          <ac:chgData name="Long B Nguyen" userId="f59fb8f3-a021-417a-8bc1-65c8d471c621" providerId="ADAL" clId="{0CA2DF25-63F7-764C-A9B1-5CAE69E0622F}" dt="2021-03-11T11:52:56.906" v="1087" actId="20577"/>
+          <ac:chgData name="Long B Nguyen" userId="f59fb8f3-a021-417a-8bc1-65c8d471c621" providerId="ADAL" clId="{0CA2DF25-63F7-764C-A9B1-5CAE69E0622F}" dt="2021-03-11T14:46:49.597" v="1455" actId="20577"/>
           <ac:spMkLst>
             <pc:docMk/>
             <pc:sldMk cId="290283863" sldId="556"/>
@@ -1606,7 +1606,7 @@
           </ac:spMkLst>
         </pc:spChg>
         <pc:cxnChg chg="add mod">
-          <ac:chgData name="Long B Nguyen" userId="f59fb8f3-a021-417a-8bc1-65c8d471c621" providerId="ADAL" clId="{0CA2DF25-63F7-764C-A9B1-5CAE69E0622F}" dt="2021-03-11T11:54:45.038" v="1112" actId="14100"/>
+          <ac:chgData name="Long B Nguyen" userId="f59fb8f3-a021-417a-8bc1-65c8d471c621" providerId="ADAL" clId="{0CA2DF25-63F7-764C-A9B1-5CAE69E0622F}" dt="2021-03-11T14:46:29.463" v="1453" actId="1076"/>
           <ac:cxnSpMkLst>
             <pc:docMk/>
             <pc:sldMk cId="290283863" sldId="556"/>
@@ -1614,7 +1614,7 @@
           </ac:cxnSpMkLst>
         </pc:cxnChg>
         <pc:cxnChg chg="add mod">
-          <ac:chgData name="Long B Nguyen" userId="f59fb8f3-a021-417a-8bc1-65c8d471c621" providerId="ADAL" clId="{0CA2DF25-63F7-764C-A9B1-5CAE69E0622F}" dt="2021-03-11T11:54:52.111" v="1115" actId="14100"/>
+          <ac:chgData name="Long B Nguyen" userId="f59fb8f3-a021-417a-8bc1-65c8d471c621" providerId="ADAL" clId="{0CA2DF25-63F7-764C-A9B1-5CAE69E0622F}" dt="2021-03-11T14:46:23.618" v="1451" actId="14100"/>
           <ac:cxnSpMkLst>
             <pc:docMk/>
             <pc:sldMk cId="290283863" sldId="556"/>
@@ -1622,7 +1622,7 @@
           </ac:cxnSpMkLst>
         </pc:cxnChg>
         <pc:cxnChg chg="add mod">
-          <ac:chgData name="Long B Nguyen" userId="f59fb8f3-a021-417a-8bc1-65c8d471c621" providerId="ADAL" clId="{0CA2DF25-63F7-764C-A9B1-5CAE69E0622F}" dt="2021-03-11T11:55:28.148" v="1170" actId="14100"/>
+          <ac:chgData name="Long B Nguyen" userId="f59fb8f3-a021-417a-8bc1-65c8d471c621" providerId="ADAL" clId="{0CA2DF25-63F7-764C-A9B1-5CAE69E0622F}" dt="2021-03-11T14:46:17.880" v="1449" actId="14100"/>
           <ac:cxnSpMkLst>
             <pc:docMk/>
             <pc:sldMk cId="290283863" sldId="556"/>
@@ -24577,6 +24577,241 @@
             <a:pPr marL="0" indent="0">
               <a:buNone/>
             </a:pPr>
+            <a:r>
+              <a:rPr lang="en-US" sz="1600" b="1" dirty="0">
+                <a:solidFill>
+                  <a:srgbClr val="34A327"/>
+                </a:solidFill>
+                <a:latin typeface="Inconsolata" panose="020B0609030003000000" pitchFamily="49" charset="77"/>
+              </a:rPr>
+              <a:t>class</a:t>
+            </a:r>
+            <a:r>
+              <a:rPr lang="en-US" sz="1600" b="1" dirty="0">
+                <a:solidFill>
+                  <a:srgbClr val="000000"/>
+                </a:solidFill>
+                <a:latin typeface="Inconsolata" panose="020B0609030003000000" pitchFamily="49" charset="77"/>
+              </a:rPr>
+              <a:t> </a:t>
+            </a:r>
+            <a:r>
+              <a:rPr lang="en-US" sz="1600" b="1" dirty="0">
+                <a:solidFill>
+                  <a:srgbClr val="3C9FF2"/>
+                </a:solidFill>
+                <a:latin typeface="Inconsolata" panose="020B0609030003000000" pitchFamily="49" charset="77"/>
+              </a:rPr>
+              <a:t>Student:</a:t>
+            </a:r>
+          </a:p>
+          <a:p>
+            <a:pPr marL="0" indent="0">
+              <a:buNone/>
+            </a:pPr>
+            <a:r>
+              <a:rPr lang="en-US" sz="1600" b="1" dirty="0">
+                <a:solidFill>
+                  <a:srgbClr val="3C9FF2"/>
+                </a:solidFill>
+                <a:latin typeface="Inconsolata" panose="020B0609030003000000" pitchFamily="49" charset="77"/>
+              </a:rPr>
+              <a:t>	def __</a:t>
+            </a:r>
+            <a:r>
+              <a:rPr lang="en-US" sz="1600" b="1" dirty="0" err="1">
+                <a:solidFill>
+                  <a:srgbClr val="3C9FF2"/>
+                </a:solidFill>
+                <a:latin typeface="Inconsolata" panose="020B0609030003000000" pitchFamily="49" charset="77"/>
+              </a:rPr>
+              <a:t>init</a:t>
+            </a:r>
+            <a:r>
+              <a:rPr lang="en-US" sz="1600" b="1" dirty="0">
+                <a:solidFill>
+                  <a:srgbClr val="3C9FF2"/>
+                </a:solidFill>
+                <a:latin typeface="Inconsolata" panose="020B0609030003000000" pitchFamily="49" charset="77"/>
+              </a:rPr>
+              <a:t>__(self, </a:t>
+            </a:r>
+            <a:r>
+              <a:rPr lang="en-US" sz="1600" b="1" dirty="0">
+                <a:latin typeface="Inconsolata" panose="020B0609030003000000" pitchFamily="49" charset="77"/>
+              </a:rPr>
+              <a:t>name</a:t>
+            </a:r>
+            <a:r>
+              <a:rPr lang="en-US" sz="1600" b="1" dirty="0">
+                <a:solidFill>
+                  <a:srgbClr val="3C9FF2"/>
+                </a:solidFill>
+                <a:latin typeface="Inconsolata" panose="020B0609030003000000" pitchFamily="49" charset="77"/>
+              </a:rPr>
+              <a:t>, </a:t>
+            </a:r>
+            <a:r>
+              <a:rPr lang="en-US" sz="1600" b="1" dirty="0">
+                <a:latin typeface="Inconsolata" panose="020B0609030003000000" pitchFamily="49" charset="77"/>
+              </a:rPr>
+              <a:t>id</a:t>
+            </a:r>
+            <a:r>
+              <a:rPr lang="en-US" sz="1600" b="1" dirty="0">
+                <a:solidFill>
+                  <a:srgbClr val="3C9FF2"/>
+                </a:solidFill>
+                <a:latin typeface="Inconsolata" panose="020B0609030003000000" pitchFamily="49" charset="77"/>
+              </a:rPr>
+              <a:t>):</a:t>
+            </a:r>
+          </a:p>
+          <a:p>
+            <a:pPr marL="0" indent="0">
+              <a:buNone/>
+            </a:pPr>
+            <a:r>
+              <a:rPr lang="en-US" sz="1600" b="1" dirty="0">
+                <a:solidFill>
+                  <a:srgbClr val="3C9FF2"/>
+                </a:solidFill>
+                <a:latin typeface="Inconsolata" panose="020B0609030003000000" pitchFamily="49" charset="77"/>
+              </a:rPr>
+              <a:t>		</a:t>
+            </a:r>
+            <a:r>
+              <a:rPr lang="en-US" sz="1600" b="1" dirty="0" err="1">
+                <a:latin typeface="Inconsolata" panose="020B0609030003000000" pitchFamily="49" charset="77"/>
+              </a:rPr>
+              <a:t>self.name</a:t>
+            </a:r>
+            <a:r>
+              <a:rPr lang="en-US" sz="1600" b="1" dirty="0">
+                <a:latin typeface="Inconsolata" panose="020B0609030003000000" pitchFamily="49" charset="77"/>
+              </a:rPr>
+              <a:t> </a:t>
+            </a:r>
+            <a:r>
+              <a:rPr lang="en-US" sz="1600" b="1" dirty="0">
+                <a:solidFill>
+                  <a:srgbClr val="3C9FF2"/>
+                </a:solidFill>
+                <a:latin typeface="Inconsolata" panose="020B0609030003000000" pitchFamily="49" charset="77"/>
+              </a:rPr>
+              <a:t>= name</a:t>
+            </a:r>
+          </a:p>
+          <a:p>
+            <a:pPr marL="0" indent="0">
+              <a:buNone/>
+            </a:pPr>
+            <a:r>
+              <a:rPr lang="en-US" sz="1600" b="1" dirty="0">
+                <a:solidFill>
+                  <a:srgbClr val="3C9FF2"/>
+                </a:solidFill>
+                <a:latin typeface="Inconsolata" panose="020B0609030003000000" pitchFamily="49" charset="77"/>
+              </a:rPr>
+              <a:t>		</a:t>
+            </a:r>
+            <a:r>
+              <a:rPr lang="en-US" sz="1600" b="1" dirty="0" err="1">
+                <a:latin typeface="Inconsolata" panose="020B0609030003000000" pitchFamily="49" charset="77"/>
+              </a:rPr>
+              <a:t>self.id</a:t>
+            </a:r>
+            <a:r>
+              <a:rPr lang="en-US" sz="1600" b="1" dirty="0">
+                <a:latin typeface="Inconsolata" panose="020B0609030003000000" pitchFamily="49" charset="77"/>
+              </a:rPr>
+              <a:t> </a:t>
+            </a:r>
+            <a:r>
+              <a:rPr lang="en-US" sz="1600" b="1" dirty="0">
+                <a:solidFill>
+                  <a:srgbClr val="3C9FF2"/>
+                </a:solidFill>
+                <a:latin typeface="Inconsolata" panose="020B0609030003000000" pitchFamily="49" charset="77"/>
+              </a:rPr>
+              <a:t>= id</a:t>
+            </a:r>
+          </a:p>
+          <a:p>
+            <a:pPr marL="0" indent="0">
+              <a:buNone/>
+            </a:pPr>
+            <a:r>
+              <a:rPr lang="en-US" sz="1600" b="1" dirty="0">
+                <a:solidFill>
+                  <a:srgbClr val="3C9FF2"/>
+                </a:solidFill>
+                <a:latin typeface="Inconsolata" panose="020B0609030003000000" pitchFamily="49" charset="77"/>
+              </a:rPr>
+              <a:t>	def </a:t>
+            </a:r>
+            <a:r>
+              <a:rPr lang="en-US" sz="1600" b="1" dirty="0" err="1">
+                <a:solidFill>
+                  <a:srgbClr val="3C9FF2"/>
+                </a:solidFill>
+                <a:latin typeface="Inconsolata" panose="020B0609030003000000" pitchFamily="49" charset="77"/>
+              </a:rPr>
+              <a:t>print_info</a:t>
+            </a:r>
+            <a:r>
+              <a:rPr lang="en-US" sz="1600" b="1" dirty="0">
+                <a:solidFill>
+                  <a:srgbClr val="3C9FF2"/>
+                </a:solidFill>
+                <a:latin typeface="Inconsolata" panose="020B0609030003000000" pitchFamily="49" charset="77"/>
+              </a:rPr>
+              <a:t>(self):</a:t>
+            </a:r>
+          </a:p>
+          <a:p>
+            <a:pPr marL="0" indent="0">
+              <a:buNone/>
+            </a:pPr>
+            <a:r>
+              <a:rPr lang="en-US" sz="1600" b="1" dirty="0">
+                <a:solidFill>
+                  <a:srgbClr val="3C9FF2"/>
+                </a:solidFill>
+                <a:latin typeface="Inconsolata" panose="020B0609030003000000" pitchFamily="49" charset="77"/>
+              </a:rPr>
+              <a:t>		</a:t>
+            </a:r>
+            <a:r>
+              <a:rPr lang="en-US" sz="1600" b="1" dirty="0">
+                <a:latin typeface="Inconsolata" panose="020B0609030003000000" pitchFamily="49" charset="77"/>
+              </a:rPr>
+              <a:t>print(</a:t>
+            </a:r>
+            <a:r>
+              <a:rPr lang="en-US" sz="1600" b="1" dirty="0" err="1">
+                <a:latin typeface="Inconsolata" panose="020B0609030003000000" pitchFamily="49" charset="77"/>
+              </a:rPr>
+              <a:t>self.name</a:t>
+            </a:r>
+            <a:r>
+              <a:rPr lang="en-US" sz="1600" b="1" dirty="0">
+                <a:latin typeface="Inconsolata" panose="020B0609030003000000" pitchFamily="49" charset="77"/>
+              </a:rPr>
+              <a:t>, </a:t>
+            </a:r>
+            <a:r>
+              <a:rPr lang="en-US" sz="1600" b="1" dirty="0" err="1">
+                <a:latin typeface="Inconsolata" panose="020B0609030003000000" pitchFamily="49" charset="77"/>
+              </a:rPr>
+              <a:t>self.id</a:t>
+            </a:r>
+            <a:r>
+              <a:rPr lang="en-US" sz="1600" b="1" dirty="0">
+                <a:latin typeface="Inconsolata" panose="020B0609030003000000" pitchFamily="49" charset="77"/>
+              </a:rPr>
+              <a:t>)</a:t>
+            </a:r>
             <a:endParaRPr lang="en-US" sz="1600" b="1" dirty="0">
               <a:solidFill>
                 <a:srgbClr val="34A327"/>
@@ -24595,7 +24830,7 @@
                 </a:solidFill>
                 <a:latin typeface="Inconsolata" panose="020B0609030003000000" pitchFamily="49" charset="77"/>
               </a:rPr>
-              <a:t>class</a:t>
+              <a:t>def</a:t>
             </a:r>
             <a:r>
               <a:rPr lang="en-US" sz="1600" b="1" dirty="0">
@@ -24613,104 +24848,113 @@
                 </a:solidFill>
                 <a:latin typeface="Inconsolata" panose="020B0609030003000000" pitchFamily="49" charset="77"/>
               </a:rPr>
-              <a:t>Student:</a:t>
-            </a:r>
-          </a:p>
-          <a:p>
-            <a:pPr marL="0" indent="0">
-              <a:buNone/>
-            </a:pPr>
+              <a:t>main</a:t>
+            </a:r>
             <a:r>
               <a:rPr lang="en-US" sz="1600" b="1" dirty="0">
                 <a:solidFill>
-                  <a:srgbClr val="3C9FF2"/>
-                </a:solidFill>
-                <a:latin typeface="Inconsolata" panose="020B0609030003000000" pitchFamily="49" charset="77"/>
-              </a:rPr>
-              <a:t>	def __</a:t>
-            </a:r>
-            <a:r>
-              <a:rPr lang="en-US" sz="1600" b="1" dirty="0" err="1">
-                <a:solidFill>
-                  <a:srgbClr val="3C9FF2"/>
-                </a:solidFill>
-                <a:latin typeface="Inconsolata" panose="020B0609030003000000" pitchFamily="49" charset="77"/>
-              </a:rPr>
-              <a:t>init</a:t>
-            </a:r>
+                  <a:srgbClr val="000000"/>
+                </a:solidFill>
+                <a:latin typeface="Inconsolata" panose="020B0609030003000000" pitchFamily="49" charset="77"/>
+              </a:rPr>
+              <a:t>(): </a:t>
+            </a:r>
+          </a:p>
+          <a:p>
+            <a:pPr marL="0" indent="0">
+              <a:buNone/>
+            </a:pPr>
             <a:r>
               <a:rPr lang="en-US" sz="1600" b="1" dirty="0">
                 <a:solidFill>
-                  <a:srgbClr val="3C9FF2"/>
-                </a:solidFill>
-                <a:latin typeface="Inconsolata" panose="020B0609030003000000" pitchFamily="49" charset="77"/>
-              </a:rPr>
-              <a:t>__(self, </a:t>
-            </a:r>
+                  <a:srgbClr val="000000"/>
+                </a:solidFill>
+                <a:latin typeface="Inconsolata" panose="020B0609030003000000" pitchFamily="49" charset="77"/>
+              </a:rPr>
+              <a:t>	s1 = Student("Mike Smith", 34323)</a:t>
+            </a:r>
+          </a:p>
+          <a:p>
+            <a:pPr marL="0" indent="0">
+              <a:buNone/>
+            </a:pPr>
             <a:r>
               <a:rPr lang="en-US" sz="1600" b="1" dirty="0">
-                <a:latin typeface="Inconsolata" panose="020B0609030003000000" pitchFamily="49" charset="77"/>
-              </a:rPr>
-              <a:t>name</a:t>
-            </a:r>
+                <a:solidFill>
+                  <a:srgbClr val="000000"/>
+                </a:solidFill>
+                <a:latin typeface="Inconsolata" panose="020B0609030003000000" pitchFamily="49" charset="77"/>
+              </a:rPr>
+              <a:t>	s2 = Student("Sarah Jones", 67432)</a:t>
+            </a:r>
+          </a:p>
+          <a:p>
+            <a:pPr marL="0" indent="0">
+              <a:buNone/>
+            </a:pPr>
             <a:r>
               <a:rPr lang="en-US" sz="1600" b="1" dirty="0">
                 <a:solidFill>
-                  <a:srgbClr val="3C9FF2"/>
-                </a:solidFill>
-                <a:latin typeface="Inconsolata" panose="020B0609030003000000" pitchFamily="49" charset="77"/>
-              </a:rPr>
-              <a:t>, </a:t>
+                  <a:srgbClr val="000000"/>
+                </a:solidFill>
+                <a:latin typeface="Inconsolata" panose="020B0609030003000000" pitchFamily="49" charset="77"/>
+              </a:rPr>
+              <a:t>	print(s1.name)	</a:t>
             </a:r>
             <a:r>
               <a:rPr lang="en-US" sz="1600" b="1" dirty="0">
-                <a:latin typeface="Inconsolata" panose="020B0609030003000000" pitchFamily="49" charset="77"/>
-              </a:rPr>
-              <a:t>id</a:t>
-            </a:r>
+                <a:solidFill>
+                  <a:schemeClr val="accent1"/>
+                </a:solidFill>
+                <a:latin typeface="Inconsolata" panose="020B0609030003000000" pitchFamily="49" charset="77"/>
+              </a:rPr>
+              <a:t># Mike Smith</a:t>
+            </a:r>
+          </a:p>
+          <a:p>
+            <a:pPr marL="0" indent="0">
+              <a:buNone/>
+            </a:pPr>
             <a:r>
               <a:rPr lang="en-US" sz="1600" b="1" dirty="0">
                 <a:solidFill>
-                  <a:srgbClr val="3C9FF2"/>
-                </a:solidFill>
-                <a:latin typeface="Inconsolata" panose="020B0609030003000000" pitchFamily="49" charset="77"/>
-              </a:rPr>
-              <a:t>)</a:t>
-            </a:r>
-          </a:p>
-          <a:p>
-            <a:pPr marL="0" indent="0">
-              <a:buNone/>
-            </a:pPr>
+                  <a:srgbClr val="000000"/>
+                </a:solidFill>
+                <a:latin typeface="Inconsolata" panose="020B0609030003000000" pitchFamily="49" charset="77"/>
+              </a:rPr>
+              <a:t>	print(s2.name)	</a:t>
+            </a:r>
             <a:r>
               <a:rPr lang="en-US" sz="1600" b="1" dirty="0">
                 <a:solidFill>
-                  <a:srgbClr val="3C9FF2"/>
-                </a:solidFill>
-                <a:latin typeface="Inconsolata" panose="020B0609030003000000" pitchFamily="49" charset="77"/>
-              </a:rPr>
-              <a:t>		</a:t>
-            </a:r>
-            <a:r>
-              <a:rPr lang="en-US" sz="1600" b="1" dirty="0" err="1">
-                <a:latin typeface="Inconsolata" panose="020B0609030003000000" pitchFamily="49" charset="77"/>
-              </a:rPr>
-              <a:t>self.name</a:t>
-            </a:r>
+                  <a:schemeClr val="accent1"/>
+                </a:solidFill>
+                <a:latin typeface="Inconsolata" panose="020B0609030003000000" pitchFamily="49" charset="77"/>
+              </a:rPr>
+              <a:t># Sarah Jones</a:t>
+            </a:r>
+          </a:p>
+          <a:p>
+            <a:pPr marL="0" indent="0">
+              <a:buNone/>
+            </a:pPr>
             <a:r>
               <a:rPr lang="en-US" sz="1600" b="1" dirty="0">
-                <a:latin typeface="Inconsolata" panose="020B0609030003000000" pitchFamily="49" charset="77"/>
-              </a:rPr>
-              <a:t> </a:t>
+                <a:solidFill>
+                  <a:srgbClr val="000000"/>
+                </a:solidFill>
+                <a:latin typeface="Inconsolata" panose="020B0609030003000000" pitchFamily="49" charset="77"/>
+              </a:rPr>
+              <a:t>	print(s1.id)		</a:t>
             </a:r>
             <a:r>
               <a:rPr lang="en-US" sz="1600" b="1" dirty="0">
                 <a:solidFill>
-                  <a:srgbClr val="3C9FF2"/>
-                </a:solidFill>
-                <a:latin typeface="Inconsolata" panose="020B0609030003000000" pitchFamily="49" charset="77"/>
-              </a:rPr>
-              <a:t>= name</a:t>
+                  <a:schemeClr val="accent1"/>
+                </a:solidFill>
+                <a:latin typeface="Inconsolata" panose="020B0609030003000000" pitchFamily="49" charset="77"/>
+              </a:rPr>
+              <a:t># 34323</a:t>
             </a:r>
           </a:p>
           <a:p>
@@ -24720,180 +24964,44 @@
             <a:r>
               <a:rPr lang="en-US" sz="1600" b="1" dirty="0">
                 <a:solidFill>
-                  <a:srgbClr val="3C9FF2"/>
-                </a:solidFill>
-                <a:latin typeface="Inconsolata" panose="020B0609030003000000" pitchFamily="49" charset="77"/>
-              </a:rPr>
-              <a:t>		</a:t>
-            </a:r>
-            <a:r>
-              <a:rPr lang="en-US" sz="1600" b="1" dirty="0" err="1">
-                <a:latin typeface="Inconsolata" panose="020B0609030003000000" pitchFamily="49" charset="77"/>
-              </a:rPr>
-              <a:t>self.id</a:t>
+                  <a:srgbClr val="000000"/>
+                </a:solidFill>
+                <a:latin typeface="Inconsolata" panose="020B0609030003000000" pitchFamily="49" charset="77"/>
+              </a:rPr>
+              <a:t>	s1.print_info()	</a:t>
             </a:r>
             <a:r>
               <a:rPr lang="en-US" sz="1600" b="1" dirty="0">
-                <a:latin typeface="Inconsolata" panose="020B0609030003000000" pitchFamily="49" charset="77"/>
-              </a:rPr>
-              <a:t> </a:t>
-            </a:r>
+                <a:solidFill>
+                  <a:schemeClr val="accent1"/>
+                </a:solidFill>
+                <a:latin typeface="Inconsolata" panose="020B0609030003000000" pitchFamily="49" charset="77"/>
+              </a:rPr>
+              <a:t># Mike Smith 34323</a:t>
+            </a:r>
+          </a:p>
+          <a:p>
+            <a:pPr marL="0" indent="0">
+              <a:buNone/>
+            </a:pPr>
             <a:r>
               <a:rPr lang="en-US" sz="1600" b="1" dirty="0">
                 <a:solidFill>
-                  <a:srgbClr val="3C9FF2"/>
-                </a:solidFill>
-                <a:latin typeface="Inconsolata" panose="020B0609030003000000" pitchFamily="49" charset="77"/>
-              </a:rPr>
-              <a:t>= id</a:t>
-            </a:r>
-          </a:p>
-          <a:p>
-            <a:pPr marL="0" indent="0">
-              <a:buNone/>
-            </a:pPr>
-            <a:endParaRPr lang="en-US" sz="1600" b="1" dirty="0">
-              <a:solidFill>
-                <a:srgbClr val="34A327"/>
-              </a:solidFill>
-              <a:latin typeface="Inconsolata" panose="020B0609030003000000" pitchFamily="49" charset="77"/>
-            </a:endParaRPr>
-          </a:p>
-          <a:p>
-            <a:pPr marL="0" indent="0">
-              <a:buNone/>
-            </a:pPr>
+                  <a:srgbClr val="000000"/>
+                </a:solidFill>
+                <a:latin typeface="Inconsolata" panose="020B0609030003000000" pitchFamily="49" charset="77"/>
+              </a:rPr>
+              <a:t>	s2.print_info()	</a:t>
+            </a:r>
             <a:r>
               <a:rPr lang="en-US" sz="1600" b="1" dirty="0">
                 <a:solidFill>
-                  <a:srgbClr val="34A327"/>
-                </a:solidFill>
-                <a:latin typeface="Inconsolata" panose="020B0609030003000000" pitchFamily="49" charset="77"/>
-              </a:rPr>
-              <a:t>def</a:t>
-            </a:r>
-            <a:r>
-              <a:rPr lang="en-US" sz="1600" b="1" dirty="0">
-                <a:solidFill>
-                  <a:srgbClr val="000000"/>
-                </a:solidFill>
-                <a:latin typeface="Inconsolata" panose="020B0609030003000000" pitchFamily="49" charset="77"/>
-              </a:rPr>
-              <a:t> </a:t>
-            </a:r>
-            <a:r>
-              <a:rPr lang="en-US" sz="1600" b="1" dirty="0">
-                <a:solidFill>
-                  <a:srgbClr val="3C9FF2"/>
-                </a:solidFill>
-                <a:latin typeface="Inconsolata" panose="020B0609030003000000" pitchFamily="49" charset="77"/>
-              </a:rPr>
-              <a:t>main</a:t>
-            </a:r>
-            <a:r>
-              <a:rPr lang="en-US" sz="1600" b="1" dirty="0">
-                <a:solidFill>
-                  <a:srgbClr val="000000"/>
-                </a:solidFill>
-                <a:latin typeface="Inconsolata" panose="020B0609030003000000" pitchFamily="49" charset="77"/>
-              </a:rPr>
-              <a:t>(): </a:t>
-            </a:r>
-          </a:p>
-          <a:p>
-            <a:pPr marL="0" indent="0">
-              <a:buNone/>
-            </a:pPr>
-            <a:r>
-              <a:rPr lang="en-US" sz="1600" b="1" dirty="0">
-                <a:solidFill>
-                  <a:srgbClr val="000000"/>
-                </a:solidFill>
-                <a:latin typeface="Inconsolata" panose="020B0609030003000000" pitchFamily="49" charset="77"/>
-              </a:rPr>
-              <a:t>	s1 = Student("Mike Smith", 34323)</a:t>
-            </a:r>
-          </a:p>
-          <a:p>
-            <a:pPr marL="0" indent="0">
-              <a:buNone/>
-            </a:pPr>
-            <a:r>
-              <a:rPr lang="en-US" sz="1600" b="1" dirty="0">
-                <a:solidFill>
-                  <a:srgbClr val="000000"/>
-                </a:solidFill>
-                <a:latin typeface="Inconsolata" panose="020B0609030003000000" pitchFamily="49" charset="77"/>
-              </a:rPr>
-              <a:t>	s2 = Student("Sarah Jones", 67432)</a:t>
-            </a:r>
-          </a:p>
-          <a:p>
-            <a:pPr marL="0" indent="0">
-              <a:buNone/>
-            </a:pPr>
-            <a:r>
-              <a:rPr lang="en-US" sz="1600" b="1" dirty="0">
-                <a:solidFill>
-                  <a:srgbClr val="000000"/>
-                </a:solidFill>
-                <a:latin typeface="Inconsolata" panose="020B0609030003000000" pitchFamily="49" charset="77"/>
-              </a:rPr>
-              <a:t>	print(s1.name)	# Mike Smith</a:t>
-            </a:r>
-          </a:p>
-          <a:p>
-            <a:pPr marL="0" indent="0">
-              <a:buNone/>
-            </a:pPr>
-            <a:r>
-              <a:rPr lang="en-US" sz="1600" b="1" dirty="0">
-                <a:solidFill>
-                  <a:srgbClr val="000000"/>
-                </a:solidFill>
-                <a:latin typeface="Inconsolata" panose="020B0609030003000000" pitchFamily="49" charset="77"/>
-              </a:rPr>
-              <a:t>	print(s2.name)	# Sarah Jones</a:t>
-            </a:r>
-          </a:p>
-          <a:p>
-            <a:pPr marL="0" indent="0">
-              <a:buNone/>
-            </a:pPr>
-            <a:r>
-              <a:rPr lang="en-US" sz="1600" b="1" dirty="0">
-                <a:solidFill>
-                  <a:srgbClr val="000000"/>
-                </a:solidFill>
-                <a:latin typeface="Inconsolata" panose="020B0609030003000000" pitchFamily="49" charset="77"/>
-              </a:rPr>
-              <a:t>	print(s1.id)		# 34323</a:t>
-            </a:r>
-          </a:p>
-          <a:p>
-            <a:pPr marL="0" indent="0">
-              <a:buNone/>
-            </a:pPr>
-            <a:r>
-              <a:rPr lang="en-US" sz="1600" b="1" dirty="0">
-                <a:solidFill>
-                  <a:srgbClr val="000000"/>
-                </a:solidFill>
-                <a:latin typeface="Inconsolata" panose="020B0609030003000000" pitchFamily="49" charset="77"/>
-              </a:rPr>
-              <a:t>	print(s2.id)		# 67432</a:t>
-            </a:r>
-          </a:p>
-          <a:p>
-            <a:pPr marL="0" indent="0">
-              <a:buNone/>
-            </a:pPr>
-            <a:endParaRPr lang="en-US" sz="1600" b="1" dirty="0">
-              <a:solidFill>
-                <a:srgbClr val="000000"/>
-              </a:solidFill>
-              <a:latin typeface="Inconsolata" panose="020B0609030003000000" pitchFamily="49" charset="77"/>
-            </a:endParaRPr>
+                  <a:schemeClr val="accent1"/>
+                </a:solidFill>
+                <a:latin typeface="Inconsolata" panose="020B0609030003000000" pitchFamily="49" charset="77"/>
+              </a:rPr>
+              <a:t># Sarah Jones 67432</a:t>
+            </a:r>
           </a:p>
           <a:p>
             <a:pPr marL="0" indent="0">
@@ -24996,8 +25104,8 @@
         </p:nvCxnSpPr>
         <p:spPr>
           <a:xfrm flipV="1">
-            <a:off x="3048849" y="1848242"/>
-            <a:ext cx="364202" cy="1451931"/>
+            <a:off x="3578061" y="1573619"/>
+            <a:ext cx="0" cy="1701208"/>
           </a:xfrm>
           <a:prstGeom prst="straightConnector1">
             <a:avLst/>
@@ -25037,8 +25145,8 @@
         </p:nvCxnSpPr>
         <p:spPr>
           <a:xfrm flipH="1" flipV="1">
-            <a:off x="4010619" y="1848243"/>
-            <a:ext cx="295567" cy="1318819"/>
+            <a:off x="3987209" y="1573619"/>
+            <a:ext cx="318978" cy="1593444"/>
           </a:xfrm>
           <a:prstGeom prst="straightConnector1">
             <a:avLst/>
@@ -25078,8 +25186,8 @@
         </p:nvCxnSpPr>
         <p:spPr>
           <a:xfrm flipH="1">
-            <a:off x="2913321" y="900283"/>
-            <a:ext cx="1658679" cy="635102"/>
+            <a:off x="3048849" y="900283"/>
+            <a:ext cx="1523152" cy="311829"/>
           </a:xfrm>
           <a:prstGeom prst="straightConnector1">
             <a:avLst/>
@@ -25149,7 +25257,7 @@
                                         <p:tgtEl>
                                           <p:spTgt spid="9">
                                             <p:txEl>
-                                              <p:pRg st="2" end="2"/>
+                                              <p:pRg st="1" end="1"/>
                                             </p:txEl>
                                           </p:spTgt>
                                         </p:tgtEl>
@@ -25180,7 +25288,7 @@
                                         <p:tgtEl>
                                           <p:spTgt spid="9">
                                             <p:txEl>
-                                              <p:pRg st="3" end="3"/>
+                                              <p:pRg st="2" end="2"/>
                                             </p:txEl>
                                           </p:spTgt>
                                         </p:tgtEl>
@@ -25211,7 +25319,7 @@
                                         <p:tgtEl>
                                           <p:spTgt spid="9">
                                             <p:txEl>
-                                              <p:pRg st="4" end="4"/>
+                                              <p:pRg st="3" end="3"/>
                                             </p:txEl>
                                           </p:spTgt>
                                         </p:tgtEl>
@@ -25242,7 +25350,69 @@
                                         <p:tgtEl>
                                           <p:spTgt spid="9">
                                             <p:txEl>
+                                              <p:pRg st="4" end="4"/>
+                                            </p:txEl>
+                                          </p:spTgt>
+                                        </p:tgtEl>
+                                        <p:attrNameLst>
+                                          <p:attrName>style.visibility</p:attrName>
+                                        </p:attrNameLst>
+                                      </p:cBhvr>
+                                      <p:to>
+                                        <p:strVal val="visible"/>
+                                      </p:to>
+                                    </p:set>
+                                  </p:childTnLst>
+                                </p:cTn>
+                              </p:par>
+                              <p:par>
+                                <p:cTn id="13" presetID="1" presetClass="entr" presetSubtype="0" fill="hold" nodeType="withEffect">
+                                  <p:stCondLst>
+                                    <p:cond delay="0"/>
+                                  </p:stCondLst>
+                                  <p:childTnLst>
+                                    <p:set>
+                                      <p:cBhvr>
+                                        <p:cTn id="14" dur="1" fill="hold">
+                                          <p:stCondLst>
+                                            <p:cond delay="0"/>
+                                          </p:stCondLst>
+                                        </p:cTn>
+                                        <p:tgtEl>
+                                          <p:spTgt spid="9">
+                                            <p:txEl>
                                               <p:pRg st="5" end="5"/>
+                                            </p:txEl>
+                                          </p:spTgt>
+                                        </p:tgtEl>
+                                        <p:attrNameLst>
+                                          <p:attrName>style.visibility</p:attrName>
+                                        </p:attrNameLst>
+                                      </p:cBhvr>
+                                      <p:to>
+                                        <p:strVal val="visible"/>
+                                      </p:to>
+                                    </p:set>
+                                  </p:childTnLst>
+                                </p:cTn>
+                              </p:par>
+                              <p:par>
+                                <p:cTn id="15" presetID="1" presetClass="entr" presetSubtype="0" fill="hold" nodeType="withEffect">
+                                  <p:stCondLst>
+                                    <p:cond delay="0"/>
+                                  </p:stCondLst>
+                                  <p:childTnLst>
+                                    <p:set>
+                                      <p:cBhvr>
+                                        <p:cTn id="16" dur="1" fill="hold">
+                                          <p:stCondLst>
+                                            <p:cond delay="0"/>
+                                          </p:stCondLst>
+                                        </p:cTn>
+                                        <p:tgtEl>
+                                          <p:spTgt spid="9">
+                                            <p:txEl>
+                                              <p:pRg st="6" end="6"/>
                                             </p:txEl>
                                           </p:spTgt>
                                         </p:tgtEl>
@@ -25264,81 +25434,19 @@
                     </p:cTn>
                   </p:par>
                   <p:par>
-                    <p:cTn id="13" fill="hold">
+                    <p:cTn id="17" fill="hold">
                       <p:stCondLst>
                         <p:cond delay="indefinite"/>
                       </p:stCondLst>
                       <p:childTnLst>
                         <p:par>
-                          <p:cTn id="14" fill="hold">
+                          <p:cTn id="18" fill="hold">
                             <p:stCondLst>
                               <p:cond delay="0"/>
                             </p:stCondLst>
                             <p:childTnLst>
                               <p:par>
-                                <p:cTn id="15" presetID="1" presetClass="entr" presetSubtype="0" fill="hold" nodeType="clickEffect">
-                                  <p:stCondLst>
-                                    <p:cond delay="0"/>
-                                  </p:stCondLst>
-                                  <p:childTnLst>
-                                    <p:set>
-                                      <p:cBhvr>
-                                        <p:cTn id="16" dur="1" fill="hold">
-                                          <p:stCondLst>
-                                            <p:cond delay="0"/>
-                                          </p:stCondLst>
-                                        </p:cTn>
-                                        <p:tgtEl>
-                                          <p:spTgt spid="9">
-                                            <p:txEl>
-                                              <p:pRg st="7" end="7"/>
-                                            </p:txEl>
-                                          </p:spTgt>
-                                        </p:tgtEl>
-                                        <p:attrNameLst>
-                                          <p:attrName>style.visibility</p:attrName>
-                                        </p:attrNameLst>
-                                      </p:cBhvr>
-                                      <p:to>
-                                        <p:strVal val="visible"/>
-                                      </p:to>
-                                    </p:set>
-                                  </p:childTnLst>
-                                </p:cTn>
-                              </p:par>
-                              <p:par>
-                                <p:cTn id="17" presetID="1" presetClass="entr" presetSubtype="0" fill="hold" nodeType="withEffect">
-                                  <p:stCondLst>
-                                    <p:cond delay="0"/>
-                                  </p:stCondLst>
-                                  <p:childTnLst>
-                                    <p:set>
-                                      <p:cBhvr>
-                                        <p:cTn id="18" dur="1" fill="hold">
-                                          <p:stCondLst>
-                                            <p:cond delay="0"/>
-                                          </p:stCondLst>
-                                        </p:cTn>
-                                        <p:tgtEl>
-                                          <p:spTgt spid="9">
-                                            <p:txEl>
-                                              <p:pRg st="8" end="8"/>
-                                            </p:txEl>
-                                          </p:spTgt>
-                                        </p:tgtEl>
-                                        <p:attrNameLst>
-                                          <p:attrName>style.visibility</p:attrName>
-                                        </p:attrNameLst>
-                                      </p:cBhvr>
-                                      <p:to>
-                                        <p:strVal val="visible"/>
-                                      </p:to>
-                                    </p:set>
-                                  </p:childTnLst>
-                                </p:cTn>
-                              </p:par>
-                              <p:par>
-                                <p:cTn id="19" presetID="1" presetClass="entr" presetSubtype="0" fill="hold" nodeType="withEffect">
+                                <p:cTn id="19" presetID="1" presetClass="entr" presetSubtype="0" fill="hold" nodeType="clickEffect">
                                   <p:stCondLst>
                                     <p:cond delay="0"/>
                                   </p:stCondLst>
@@ -25351,7 +25459,11 @@
                                           </p:stCondLst>
                                         </p:cTn>
                                         <p:tgtEl>
-                                          <p:spTgt spid="5"/>
+                                          <p:spTgt spid="9">
+                                            <p:txEl>
+                                              <p:pRg st="7" end="7"/>
+                                            </p:txEl>
+                                          </p:spTgt>
                                         </p:tgtEl>
                                         <p:attrNameLst>
                                           <p:attrName>style.visibility</p:attrName>
@@ -25378,7 +25490,11 @@
                                           </p:stCondLst>
                                         </p:cTn>
                                         <p:tgtEl>
-                                          <p:spTgt spid="7"/>
+                                          <p:spTgt spid="9">
+                                            <p:txEl>
+                                              <p:pRg st="8" end="8"/>
+                                            </p:txEl>
+                                          </p:spTgt>
                                         </p:tgtEl>
                                         <p:attrNameLst>
                                           <p:attrName>style.visibility</p:attrName>
@@ -25405,6 +25521,60 @@
                                           </p:stCondLst>
                                         </p:cTn>
                                         <p:tgtEl>
+                                          <p:spTgt spid="5"/>
+                                        </p:tgtEl>
+                                        <p:attrNameLst>
+                                          <p:attrName>style.visibility</p:attrName>
+                                        </p:attrNameLst>
+                                      </p:cBhvr>
+                                      <p:to>
+                                        <p:strVal val="visible"/>
+                                      </p:to>
+                                    </p:set>
+                                  </p:childTnLst>
+                                </p:cTn>
+                              </p:par>
+                              <p:par>
+                                <p:cTn id="25" presetID="1" presetClass="entr" presetSubtype="0" fill="hold" nodeType="withEffect">
+                                  <p:stCondLst>
+                                    <p:cond delay="0"/>
+                                  </p:stCondLst>
+                                  <p:childTnLst>
+                                    <p:set>
+                                      <p:cBhvr>
+                                        <p:cTn id="26" dur="1" fill="hold">
+                                          <p:stCondLst>
+                                            <p:cond delay="0"/>
+                                          </p:stCondLst>
+                                        </p:cTn>
+                                        <p:tgtEl>
+                                          <p:spTgt spid="7"/>
+                                        </p:tgtEl>
+                                        <p:attrNameLst>
+                                          <p:attrName>style.visibility</p:attrName>
+                                        </p:attrNameLst>
+                                      </p:cBhvr>
+                                      <p:to>
+                                        <p:strVal val="visible"/>
+                                      </p:to>
+                                    </p:set>
+                                  </p:childTnLst>
+                                </p:cTn>
+                              </p:par>
+                              <p:par>
+                                <p:cTn id="27" presetID="1" presetClass="entr" presetSubtype="0" fill="hold" nodeType="withEffect">
+                                  <p:stCondLst>
+                                    <p:cond delay="0"/>
+                                  </p:stCondLst>
+                                  <p:childTnLst>
+                                    <p:set>
+                                      <p:cBhvr>
+                                        <p:cTn id="28" dur="1" fill="hold">
+                                          <p:stCondLst>
+                                            <p:cond delay="0"/>
+                                          </p:stCondLst>
+                                        </p:cTn>
+                                        <p:tgtEl>
                                           <p:spTgt spid="10"/>
                                         </p:tgtEl>
                                         <p:attrNameLst>
@@ -25419,52 +25589,7 @@
                                 </p:cTn>
                               </p:par>
                               <p:par>
-                                <p:cTn id="25" presetID="1" presetClass="entr" presetSubtype="0" fill="hold" grpId="0" nodeType="withEffect">
-                                  <p:stCondLst>
-                                    <p:cond delay="0"/>
-                                  </p:stCondLst>
-                                  <p:childTnLst>
-                                    <p:set>
-                                      <p:cBhvr>
-                                        <p:cTn id="26" dur="1" fill="hold">
-                                          <p:stCondLst>
-                                            <p:cond delay="0"/>
-                                          </p:stCondLst>
-                                        </p:cTn>
-                                        <p:tgtEl>
-                                          <p:spTgt spid="4"/>
-                                        </p:tgtEl>
-                                        <p:attrNameLst>
-                                          <p:attrName>style.visibility</p:attrName>
-                                        </p:attrNameLst>
-                                      </p:cBhvr>
-                                      <p:to>
-                                        <p:strVal val="visible"/>
-                                      </p:to>
-                                    </p:set>
-                                  </p:childTnLst>
-                                </p:cTn>
-                              </p:par>
-                            </p:childTnLst>
-                          </p:cTn>
-                        </p:par>
-                      </p:childTnLst>
-                    </p:cTn>
-                  </p:par>
-                  <p:par>
-                    <p:cTn id="27" fill="hold">
-                      <p:stCondLst>
-                        <p:cond delay="indefinite"/>
-                      </p:stCondLst>
-                      <p:childTnLst>
-                        <p:par>
-                          <p:cTn id="28" fill="hold">
-                            <p:stCondLst>
-                              <p:cond delay="0"/>
-                            </p:stCondLst>
-                            <p:childTnLst>
-                              <p:par>
-                                <p:cTn id="29" presetID="1" presetClass="entr" presetSubtype="0" fill="hold" nodeType="clickEffect">
+                                <p:cTn id="29" presetID="1" presetClass="entr" presetSubtype="0" fill="hold" grpId="0" nodeType="withEffect">
                                   <p:stCondLst>
                                     <p:cond delay="0"/>
                                   </p:stCondLst>
@@ -25477,11 +25602,7 @@
                                           </p:stCondLst>
                                         </p:cTn>
                                         <p:tgtEl>
-                                          <p:spTgt spid="9">
-                                            <p:txEl>
-                                              <p:pRg st="9" end="9"/>
-                                            </p:txEl>
-                                          </p:spTgt>
+                                          <p:spTgt spid="4"/>
                                         </p:tgtEl>
                                         <p:attrNameLst>
                                           <p:attrName>style.visibility</p:attrName>
@@ -25528,7 +25649,7 @@
                                         <p:tgtEl>
                                           <p:spTgt spid="9">
                                             <p:txEl>
-                                              <p:pRg st="10" end="10"/>
+                                              <p:pRg st="9" end="9"/>
                                             </p:txEl>
                                           </p:spTgt>
                                         </p:tgtEl>
@@ -25577,7 +25698,7 @@
                                         <p:tgtEl>
                                           <p:spTgt spid="9">
                                             <p:txEl>
-                                              <p:pRg st="11" end="11"/>
+                                              <p:pRg st="10" end="10"/>
                                             </p:txEl>
                                           </p:spTgt>
                                         </p:tgtEl>
@@ -25626,7 +25747,7 @@
                                         <p:tgtEl>
                                           <p:spTgt spid="9">
                                             <p:txEl>
-                                              <p:pRg st="12" end="12"/>
+                                              <p:pRg st="11" end="11"/>
                                             </p:txEl>
                                           </p:spTgt>
                                         </p:tgtEl>
@@ -25675,7 +25796,105 @@
                                         <p:tgtEl>
                                           <p:spTgt spid="9">
                                             <p:txEl>
+                                              <p:pRg st="12" end="12"/>
+                                            </p:txEl>
+                                          </p:spTgt>
+                                        </p:tgtEl>
+                                        <p:attrNameLst>
+                                          <p:attrName>style.visibility</p:attrName>
+                                        </p:attrNameLst>
+                                      </p:cBhvr>
+                                      <p:to>
+                                        <p:strVal val="visible"/>
+                                      </p:to>
+                                    </p:set>
+                                  </p:childTnLst>
+                                </p:cTn>
+                              </p:par>
+                            </p:childTnLst>
+                          </p:cTn>
+                        </p:par>
+                      </p:childTnLst>
+                    </p:cTn>
+                  </p:par>
+                  <p:par>
+                    <p:cTn id="47" fill="hold">
+                      <p:stCondLst>
+                        <p:cond delay="indefinite"/>
+                      </p:stCondLst>
+                      <p:childTnLst>
+                        <p:par>
+                          <p:cTn id="48" fill="hold">
+                            <p:stCondLst>
+                              <p:cond delay="0"/>
+                            </p:stCondLst>
+                            <p:childTnLst>
+                              <p:par>
+                                <p:cTn id="49" presetID="1" presetClass="entr" presetSubtype="0" fill="hold" nodeType="clickEffect">
+                                  <p:stCondLst>
+                                    <p:cond delay="0"/>
+                                  </p:stCondLst>
+                                  <p:childTnLst>
+                                    <p:set>
+                                      <p:cBhvr>
+                                        <p:cTn id="50" dur="1" fill="hold">
+                                          <p:stCondLst>
+                                            <p:cond delay="0"/>
+                                          </p:stCondLst>
+                                        </p:cTn>
+                                        <p:tgtEl>
+                                          <p:spTgt spid="9">
+                                            <p:txEl>
                                               <p:pRg st="13" end="13"/>
+                                            </p:txEl>
+                                          </p:spTgt>
+                                        </p:tgtEl>
+                                        <p:attrNameLst>
+                                          <p:attrName>style.visibility</p:attrName>
+                                        </p:attrNameLst>
+                                      </p:cBhvr>
+                                      <p:to>
+                                        <p:strVal val="visible"/>
+                                      </p:to>
+                                    </p:set>
+                                  </p:childTnLst>
+                                </p:cTn>
+                              </p:par>
+                            </p:childTnLst>
+                          </p:cTn>
+                        </p:par>
+                      </p:childTnLst>
+                    </p:cTn>
+                  </p:par>
+                  <p:par>
+                    <p:cTn id="51" fill="hold">
+                      <p:stCondLst>
+                        <p:cond delay="indefinite"/>
+                      </p:stCondLst>
+                      <p:childTnLst>
+                        <p:par>
+                          <p:cTn id="52" fill="hold">
+                            <p:stCondLst>
+                              <p:cond delay="0"/>
+                            </p:stCondLst>
+                            <p:childTnLst>
+                              <p:par>
+                                <p:cTn id="53" presetID="1" presetClass="entr" presetSubtype="0" fill="hold" nodeType="clickEffect">
+                                  <p:stCondLst>
+                                    <p:cond delay="0"/>
+                                  </p:stCondLst>
+                                  <p:childTnLst>
+                                    <p:set>
+                                      <p:cBhvr>
+                                        <p:cTn id="54" dur="1" fill="hold">
+                                          <p:stCondLst>
+                                            <p:cond delay="0"/>
+                                          </p:stCondLst>
+                                        </p:cTn>
+                                        <p:tgtEl>
+                                          <p:spTgt spid="9">
+                                            <p:txEl>
+                                              <p:pRg st="14" end="14"/>
                                             </p:txEl>
                                           </p:spTgt>
                                         </p:tgtEl>
